--- a/lectures/week_9/Uncertainty and Error Propagation.pptx
+++ b/lectures/week_9/Uncertainty and Error Propagation.pptx
@@ -205,7 +205,7 @@
           <a:p>
             <a:fld id="{8BC8FE64-C137-4F8C-831F-25D266F06935}" type="datetimeFigureOut">
               <a:rPr lang="en-US" smtClean="0"/>
-              <a:t>4/5/2016</a:t>
+              <a:t>4/17/2017</a:t>
             </a:fld>
             <a:endParaRPr lang="en-US"/>
           </a:p>
@@ -1022,7 +1022,7 @@
           <a:p>
             <a:fld id="{78C07F0F-9D56-4288-B988-C1376F82FF87}" type="datetimeFigureOut">
               <a:rPr lang="en-US" smtClean="0"/>
-              <a:t>4/5/2016</a:t>
+              <a:t>4/17/2017</a:t>
             </a:fld>
             <a:endParaRPr lang="en-US"/>
           </a:p>
@@ -1192,7 +1192,7 @@
           <a:p>
             <a:fld id="{78C07F0F-9D56-4288-B988-C1376F82FF87}" type="datetimeFigureOut">
               <a:rPr lang="en-US" smtClean="0"/>
-              <a:t>4/5/2016</a:t>
+              <a:t>4/17/2017</a:t>
             </a:fld>
             <a:endParaRPr lang="en-US"/>
           </a:p>
@@ -1372,7 +1372,7 @@
           <a:p>
             <a:fld id="{78C07F0F-9D56-4288-B988-C1376F82FF87}" type="datetimeFigureOut">
               <a:rPr lang="en-US" smtClean="0"/>
-              <a:t>4/5/2016</a:t>
+              <a:t>4/17/2017</a:t>
             </a:fld>
             <a:endParaRPr lang="en-US"/>
           </a:p>
@@ -1542,7 +1542,7 @@
           <a:p>
             <a:fld id="{78C07F0F-9D56-4288-B988-C1376F82FF87}" type="datetimeFigureOut">
               <a:rPr lang="en-US" smtClean="0"/>
-              <a:t>4/5/2016</a:t>
+              <a:t>4/17/2017</a:t>
             </a:fld>
             <a:endParaRPr lang="en-US"/>
           </a:p>
@@ -1788,7 +1788,7 @@
           <a:p>
             <a:fld id="{78C07F0F-9D56-4288-B988-C1376F82FF87}" type="datetimeFigureOut">
               <a:rPr lang="en-US" smtClean="0"/>
-              <a:t>4/5/2016</a:t>
+              <a:t>4/17/2017</a:t>
             </a:fld>
             <a:endParaRPr lang="en-US"/>
           </a:p>
@@ -2076,7 +2076,7 @@
           <a:p>
             <a:fld id="{78C07F0F-9D56-4288-B988-C1376F82FF87}" type="datetimeFigureOut">
               <a:rPr lang="en-US" smtClean="0"/>
-              <a:t>4/5/2016</a:t>
+              <a:t>4/17/2017</a:t>
             </a:fld>
             <a:endParaRPr lang="en-US"/>
           </a:p>
@@ -2498,7 +2498,7 @@
           <a:p>
             <a:fld id="{78C07F0F-9D56-4288-B988-C1376F82FF87}" type="datetimeFigureOut">
               <a:rPr lang="en-US" smtClean="0"/>
-              <a:t>4/5/2016</a:t>
+              <a:t>4/17/2017</a:t>
             </a:fld>
             <a:endParaRPr lang="en-US"/>
           </a:p>
@@ -2616,7 +2616,7 @@
           <a:p>
             <a:fld id="{78C07F0F-9D56-4288-B988-C1376F82FF87}" type="datetimeFigureOut">
               <a:rPr lang="en-US" smtClean="0"/>
-              <a:t>4/5/2016</a:t>
+              <a:t>4/17/2017</a:t>
             </a:fld>
             <a:endParaRPr lang="en-US"/>
           </a:p>
@@ -2711,7 +2711,7 @@
           <a:p>
             <a:fld id="{78C07F0F-9D56-4288-B988-C1376F82FF87}" type="datetimeFigureOut">
               <a:rPr lang="en-US" smtClean="0"/>
-              <a:t>4/5/2016</a:t>
+              <a:t>4/17/2017</a:t>
             </a:fld>
             <a:endParaRPr lang="en-US"/>
           </a:p>
@@ -2988,7 +2988,7 @@
           <a:p>
             <a:fld id="{78C07F0F-9D56-4288-B988-C1376F82FF87}" type="datetimeFigureOut">
               <a:rPr lang="en-US" smtClean="0"/>
-              <a:t>4/5/2016</a:t>
+              <a:t>4/17/2017</a:t>
             </a:fld>
             <a:endParaRPr lang="en-US"/>
           </a:p>
@@ -3241,7 +3241,7 @@
           <a:p>
             <a:fld id="{78C07F0F-9D56-4288-B988-C1376F82FF87}" type="datetimeFigureOut">
               <a:rPr lang="en-US" smtClean="0"/>
-              <a:t>4/5/2016</a:t>
+              <a:t>4/17/2017</a:t>
             </a:fld>
             <a:endParaRPr lang="en-US"/>
           </a:p>
@@ -3454,7 +3454,7 @@
           <a:p>
             <a:fld id="{78C07F0F-9D56-4288-B988-C1376F82FF87}" type="datetimeFigureOut">
               <a:rPr lang="en-US" smtClean="0"/>
-              <a:t>4/5/2016</a:t>
+              <a:t>4/17/2017</a:t>
             </a:fld>
             <a:endParaRPr lang="en-US"/>
           </a:p>
@@ -4304,7 +4304,15 @@
             <a:pPr lvl="1"/>
             <a:r>
               <a:rPr lang="en-US" altLang="en-US" sz="1500" dirty="0" smtClean="0"/>
-              <a:t>which is the transposed of the gradient o f(x)</a:t>
+              <a:t>which is the transposed of the gradient </a:t>
+            </a:r>
+            <a:r>
+              <a:rPr lang="en-US" altLang="en-US" sz="1500" dirty="0" smtClean="0"/>
+              <a:t>of </a:t>
+            </a:r>
+            <a:r>
+              <a:rPr lang="en-US" altLang="en-US" sz="1500" dirty="0" smtClean="0"/>
+              <a:t>f(x)</a:t>
             </a:r>
           </a:p>
         </p:txBody>
@@ -4325,7 +4333,7 @@
           <a:graphicData uri="http://schemas.openxmlformats.org/presentationml/2006/ole">
             <mc:AlternateContent xmlns:mc="http://schemas.openxmlformats.org/markup-compatibility/2006">
               <mc:Choice xmlns:v="urn:schemas-microsoft-com:vml" Requires="v">
-                <p:oleObj spid="_x0000_s5133" name="Bitmap Image" r:id="rId4" imgW="7009524" imgH="3715269" progId="Paint.Picture">
+                <p:oleObj spid="_x0000_s5136" name="Bitmap Image" r:id="rId4" imgW="7009524" imgH="3715269" progId="Paint.Picture">
                   <p:embed/>
                 </p:oleObj>
               </mc:Choice>
@@ -7095,53 +7103,60 @@
               <a:t>aussian </a:t>
             </a:r>
             <a:r>
-              <a:rPr sz="3000" spc="-5" dirty="0">
+              <a:rPr sz="3000" spc="-5" smtClean="0">
                 <a:latin typeface="Calibri"/>
                 <a:cs typeface="Calibri"/>
               </a:rPr>
               <a:t>D</a:t>
             </a:r>
             <a:r>
+              <a:rPr sz="3000" smtClean="0">
+                <a:latin typeface="Calibri"/>
+                <a:cs typeface="Calibri"/>
+              </a:rPr>
+              <a:t>is</a:t>
+            </a:r>
+            <a:r>
+              <a:rPr sz="3000" spc="-15" smtClean="0">
+                <a:latin typeface="Calibri"/>
+                <a:cs typeface="Calibri"/>
+              </a:rPr>
+              <a:t>tr</a:t>
+            </a:r>
+            <a:r>
+              <a:rPr sz="3000" smtClean="0">
+                <a:latin typeface="Calibri"/>
+                <a:cs typeface="Calibri"/>
+              </a:rPr>
+              <a:t>ibu</a:t>
+            </a:r>
+            <a:r>
+              <a:rPr lang="en-US" sz="3000" spc="135" smtClean="0">
+                <a:latin typeface="Calibri"/>
+                <a:cs typeface="Calibri"/>
+              </a:rPr>
+              <a:t>ti</a:t>
+            </a:r>
+            <a:r>
+              <a:rPr sz="3000" spc="-5" smtClean="0">
+                <a:latin typeface="Calibri"/>
+                <a:cs typeface="Calibri"/>
+              </a:rPr>
+              <a:t>o</a:t>
+            </a:r>
+            <a:r>
+              <a:rPr sz="3000" smtClean="0">
+                <a:latin typeface="Calibri"/>
+                <a:cs typeface="Calibri"/>
+              </a:rPr>
+              <a:t>n </a:t>
+            </a:r>
+            <a:r>
               <a:rPr sz="3000" dirty="0">
                 <a:latin typeface="Calibri"/>
                 <a:cs typeface="Calibri"/>
               </a:rPr>
-              <a:t>is</a:t>
-            </a:r>
-            <a:r>
-              <a:rPr sz="3000" spc="-15" dirty="0">
-                <a:latin typeface="Calibri"/>
-                <a:cs typeface="Calibri"/>
-              </a:rPr>
-              <a:t>tr</a:t>
-            </a:r>
-            <a:r>
-              <a:rPr sz="3000" dirty="0">
-                <a:latin typeface="Calibri"/>
-                <a:cs typeface="Calibri"/>
-              </a:rPr>
-              <a:t>ibu</a:t>
-            </a:r>
-            <a:r>
-              <a:rPr sz="3000" spc="135" dirty="0">
-                <a:latin typeface="Calibri"/>
-                <a:cs typeface="Calibri"/>
-              </a:rPr>
-              <a:t>1</a:t>
-            </a:r>
-            <a:r>
-              <a:rPr sz="3000" spc="-5" dirty="0">
-                <a:latin typeface="Calibri"/>
-                <a:cs typeface="Calibri"/>
-              </a:rPr>
-              <a:t>o</a:t>
-            </a:r>
-            <a:r>
-              <a:rPr sz="3000" dirty="0">
-                <a:latin typeface="Calibri"/>
-                <a:cs typeface="Calibri"/>
-              </a:rPr>
-              <a:t>n d</a:t>
+              <a:t>d</a:t>
             </a:r>
             <a:r>
               <a:rPr sz="3000" spc="-15" dirty="0">
@@ -8500,7 +8515,7 @@
           <a:p>
             <a:pPr indent="0"/>
             <a:r>
-              <a:rPr lang="en-US" altLang="en-US" smtClean="0"/>
+              <a:rPr lang="en-US" altLang="en-US" dirty="0" smtClean="0"/>
               <a:t>Gaussian Distribution</a:t>
             </a:r>
           </a:p>
@@ -8583,7 +8598,7 @@
         </p:blipFill>
         <p:spPr bwMode="auto">
           <a:xfrm>
-            <a:off x="5340350" y="1371600"/>
+            <a:off x="5241197" y="1371600"/>
             <a:ext cx="3446463" cy="1081088"/>
           </a:xfrm>
           <a:prstGeom prst="rect">
@@ -18886,7 +18901,7 @@
           <a:graphicData uri="http://schemas.openxmlformats.org/presentationml/2006/ole">
             <mc:AlternateContent xmlns:mc="http://schemas.openxmlformats.org/markup-compatibility/2006">
               <mc:Choice xmlns:v="urn:schemas-microsoft-com:vml" Requires="v">
-                <p:oleObj spid="_x0000_s4109" name="Formel" r:id="rId4" imgW="1041120" imgH="241200" progId="Equation.3">
+                <p:oleObj spid="_x0000_s4112" name="Formel" r:id="rId4" imgW="1041120" imgH="241200" progId="Equation.3">
                   <p:embed/>
                 </p:oleObj>
               </mc:Choice>
